--- a/Batch-10/Proff Lecture Material/3. VIRTUALIZATION.pptx
+++ b/Batch-10/Proff Lecture Material/3. VIRTUALIZATION.pptx
@@ -9,15 +9,14 @@
     <p:sldId id="262" r:id="rId3"/>
     <p:sldId id="258" r:id="rId4"/>
     <p:sldId id="259" r:id="rId5"/>
-    <p:sldId id="260" r:id="rId6"/>
-    <p:sldId id="261" r:id="rId7"/>
-    <p:sldId id="263" r:id="rId8"/>
+    <p:sldId id="266" r:id="rId6"/>
+    <p:sldId id="260" r:id="rId7"/>
+    <p:sldId id="261" r:id="rId8"/>
     <p:sldId id="264" r:id="rId9"/>
     <p:sldId id="265" r:id="rId10"/>
-    <p:sldId id="266" r:id="rId11"/>
-    <p:sldId id="267" r:id="rId12"/>
-    <p:sldId id="268" r:id="rId13"/>
-    <p:sldId id="269" r:id="rId14"/>
+    <p:sldId id="267" r:id="rId11"/>
+    <p:sldId id="268" r:id="rId12"/>
+    <p:sldId id="269" r:id="rId13"/>
   </p:sldIdLst>
   <p:sldSz cx="9144000" cy="6858000" type="screen4x3"/>
   <p:notesSz cx="6858000" cy="9144000"/>
@@ -307,7 +306,7 @@
             <a:fld id="{AAA274FE-DCD2-4968-AFE0-C8FFE5A629E6}" type="datetimeFigureOut">
               <a:rPr lang="en-US" smtClean="0"/>
               <a:pPr/>
-              <a:t>12/5/2021</a:t>
+              <a:t>1/18/2023</a:t>
             </a:fld>
             <a:endParaRPr lang="en-US"/>
           </a:p>
@@ -473,7 +472,7 @@
             <a:fld id="{AAA274FE-DCD2-4968-AFE0-C8FFE5A629E6}" type="datetimeFigureOut">
               <a:rPr lang="en-US" smtClean="0"/>
               <a:pPr/>
-              <a:t>12/5/2021</a:t>
+              <a:t>1/18/2023</a:t>
             </a:fld>
             <a:endParaRPr lang="en-US"/>
           </a:p>
@@ -649,7 +648,7 @@
             <a:fld id="{AAA274FE-DCD2-4968-AFE0-C8FFE5A629E6}" type="datetimeFigureOut">
               <a:rPr lang="en-US" smtClean="0"/>
               <a:pPr/>
-              <a:t>12/5/2021</a:t>
+              <a:t>1/18/2023</a:t>
             </a:fld>
             <a:endParaRPr lang="en-US"/>
           </a:p>
@@ -815,7 +814,7 @@
             <a:fld id="{AAA274FE-DCD2-4968-AFE0-C8FFE5A629E6}" type="datetimeFigureOut">
               <a:rPr lang="en-US" smtClean="0"/>
               <a:pPr/>
-              <a:t>12/5/2021</a:t>
+              <a:t>1/18/2023</a:t>
             </a:fld>
             <a:endParaRPr lang="en-US"/>
           </a:p>
@@ -1058,7 +1057,7 @@
             <a:fld id="{AAA274FE-DCD2-4968-AFE0-C8FFE5A629E6}" type="datetimeFigureOut">
               <a:rPr lang="en-US" smtClean="0"/>
               <a:pPr/>
-              <a:t>12/5/2021</a:t>
+              <a:t>1/18/2023</a:t>
             </a:fld>
             <a:endParaRPr lang="en-US"/>
           </a:p>
@@ -1323,7 +1322,7 @@
             <a:fld id="{AAA274FE-DCD2-4968-AFE0-C8FFE5A629E6}" type="datetimeFigureOut">
               <a:rPr lang="en-US" smtClean="0"/>
               <a:pPr/>
-              <a:t>12/5/2021</a:t>
+              <a:t>1/18/2023</a:t>
             </a:fld>
             <a:endParaRPr lang="en-US"/>
           </a:p>
@@ -1702,7 +1701,7 @@
             <a:fld id="{AAA274FE-DCD2-4968-AFE0-C8FFE5A629E6}" type="datetimeFigureOut">
               <a:rPr lang="en-US" smtClean="0"/>
               <a:pPr/>
-              <a:t>12/5/2021</a:t>
+              <a:t>1/18/2023</a:t>
             </a:fld>
             <a:endParaRPr lang="en-US"/>
           </a:p>
@@ -1853,7 +1852,7 @@
             <a:fld id="{AAA274FE-DCD2-4968-AFE0-C8FFE5A629E6}" type="datetimeFigureOut">
               <a:rPr lang="en-US" smtClean="0"/>
               <a:pPr/>
-              <a:t>12/5/2021</a:t>
+              <a:t>1/18/2023</a:t>
             </a:fld>
             <a:endParaRPr lang="en-US"/>
           </a:p>
@@ -1945,7 +1944,7 @@
             <a:fld id="{AAA274FE-DCD2-4968-AFE0-C8FFE5A629E6}" type="datetimeFigureOut">
               <a:rPr lang="en-US" smtClean="0"/>
               <a:pPr/>
-              <a:t>12/5/2021</a:t>
+              <a:t>1/18/2023</a:t>
             </a:fld>
             <a:endParaRPr lang="en-US"/>
           </a:p>
@@ -2207,7 +2206,7 @@
             <a:fld id="{AAA274FE-DCD2-4968-AFE0-C8FFE5A629E6}" type="datetimeFigureOut">
               <a:rPr lang="en-US" smtClean="0"/>
               <a:pPr/>
-              <a:t>12/5/2021</a:t>
+              <a:t>1/18/2023</a:t>
             </a:fld>
             <a:endParaRPr lang="en-US"/>
           </a:p>
@@ -2496,7 +2495,7 @@
             <a:fld id="{AAA274FE-DCD2-4968-AFE0-C8FFE5A629E6}" type="datetimeFigureOut">
               <a:rPr lang="en-US" smtClean="0"/>
               <a:pPr/>
-              <a:t>12/5/2021</a:t>
+              <a:t>1/18/2023</a:t>
             </a:fld>
             <a:endParaRPr lang="en-US"/>
           </a:p>
@@ -3267,7 +3266,7 @@
             <a:fld id="{AAA274FE-DCD2-4968-AFE0-C8FFE5A629E6}" type="datetimeFigureOut">
               <a:rPr lang="en-US" smtClean="0"/>
               <a:pPr/>
-              <a:t>12/5/2021</a:t>
+              <a:t>1/18/2023</a:t>
             </a:fld>
             <a:endParaRPr lang="en-US"/>
           </a:p>
@@ -3896,11 +3895,29 @@
             <p:ph type="ctrTitle"/>
           </p:nvPr>
         </p:nvSpPr>
-        <p:spPr/>
-        <p:txBody>
-          <a:bodyPr/>
-          <a:lstStyle/>
-          <a:p>
+        <p:spPr>
+          <a:xfrm>
+            <a:off x="457200" y="2209800"/>
+            <a:ext cx="7851648" cy="1828800"/>
+          </a:xfrm>
+        </p:spPr>
+        <p:txBody>
+          <a:bodyPr>
+            <a:normAutofit fontScale="90000"/>
+          </a:bodyPr>
+          <a:lstStyle/>
+          <a:p>
+            <a:r>
+              <a:rPr lang="en-US" sz="6700" dirty="0">
+                <a:solidFill>
+                  <a:srgbClr val="FFC000"/>
+                </a:solidFill>
+              </a:rPr>
+              <a:t>TNGS Learning Solution</a:t>
+            </a:r>
+            <a:br>
+              <a:rPr lang="en-US" sz="8800" dirty="0"/>
+            </a:br>
             <a:r>
               <a:rPr lang="en-US" sz="8800" dirty="0"/>
               <a:t>VIRTUALIZATION</a:t>
@@ -3933,50 +3950,40 @@
           <a:chExt cx="0" cy="0"/>
         </a:xfrm>
       </p:grpSpPr>
-      <p:sp>
-        <p:nvSpPr>
-          <p:cNvPr id="2" name="Title 1"/>
-          <p:cNvSpPr>
-            <a:spLocks noGrp="1"/>
-          </p:cNvSpPr>
-          <p:nvPr>
-            <p:ph type="title"/>
-          </p:nvPr>
-        </p:nvSpPr>
-        <p:spPr/>
-        <p:txBody>
-          <a:bodyPr/>
-          <a:lstStyle/>
-          <a:p>
-            <a:r>
-              <a:rPr lang="en-US" b="1" dirty="0"/>
-              <a:t>What IS Hypervisor?</a:t>
-            </a:r>
-          </a:p>
-        </p:txBody>
-      </p:sp>
-      <p:sp>
-        <p:nvSpPr>
-          <p:cNvPr id="3" name="Content Placeholder 2"/>
-          <p:cNvSpPr>
-            <a:spLocks noGrp="1"/>
-          </p:cNvSpPr>
+      <p:pic>
+        <p:nvPicPr>
+          <p:cNvPr id="7170" name="Picture 2"/>
+          <p:cNvPicPr>
+            <a:picLocks noGrp="1" noChangeAspect="1" noChangeArrowheads="1"/>
+          </p:cNvPicPr>
           <p:nvPr>
             <p:ph idx="1"/>
           </p:nvPr>
-        </p:nvSpPr>
-        <p:spPr/>
-        <p:txBody>
-          <a:bodyPr/>
-          <a:lstStyle/>
-          <a:p>
-            <a:r>
-              <a:rPr lang="en-US" dirty="0"/>
-              <a:t>Hypervisor is a software layer that sits between Hardware and OS  which will interact with hardware and resources and provide  an interface to share the available resources to virtual containers.</a:t>
-            </a:r>
-          </a:p>
-        </p:txBody>
-      </p:sp>
+        </p:nvPicPr>
+        <p:blipFill>
+          <a:blip r:embed="rId2" cstate="print"/>
+          <a:srcRect/>
+          <a:stretch>
+            <a:fillRect/>
+          </a:stretch>
+        </p:blipFill>
+        <p:spPr bwMode="auto">
+          <a:xfrm>
+            <a:off x="990600" y="990600"/>
+            <a:ext cx="7086600" cy="5181600"/>
+          </a:xfrm>
+          <a:prstGeom prst="rect">
+            <a:avLst/>
+          </a:prstGeom>
+          <a:noFill/>
+          <a:ln w="9525">
+            <a:noFill/>
+            <a:miter lim="800000"/>
+            <a:headEnd/>
+            <a:tailEnd/>
+          </a:ln>
+        </p:spPr>
+      </p:pic>
     </p:spTree>
   </p:cSld>
   <p:clrMapOvr>
@@ -4002,40 +4009,82 @@
           <a:chExt cx="0" cy="0"/>
         </a:xfrm>
       </p:grpSpPr>
-      <p:pic>
-        <p:nvPicPr>
-          <p:cNvPr id="7170" name="Picture 2"/>
-          <p:cNvPicPr>
-            <a:picLocks noGrp="1" noChangeAspect="1" noChangeArrowheads="1"/>
-          </p:cNvPicPr>
+      <p:sp>
+        <p:nvSpPr>
+          <p:cNvPr id="2" name="Title 1"/>
+          <p:cNvSpPr>
+            <a:spLocks noGrp="1"/>
+          </p:cNvSpPr>
+          <p:nvPr>
+            <p:ph type="title"/>
+          </p:nvPr>
+        </p:nvSpPr>
+        <p:spPr>
+          <a:xfrm>
+            <a:off x="457200" y="838199"/>
+            <a:ext cx="8229600" cy="828869"/>
+          </a:xfrm>
+        </p:spPr>
+        <p:txBody>
+          <a:bodyPr/>
+          <a:lstStyle/>
+          <a:p>
+            <a:pPr algn="ctr"/>
+            <a:r>
+              <a:rPr lang="en-US" b="1" dirty="0"/>
+              <a:t>Virtualization Benefits</a:t>
+            </a:r>
+          </a:p>
+        </p:txBody>
+      </p:sp>
+      <p:sp>
+        <p:nvSpPr>
+          <p:cNvPr id="3" name="Content Placeholder 2"/>
+          <p:cNvSpPr>
+            <a:spLocks noGrp="1"/>
+          </p:cNvSpPr>
           <p:nvPr>
             <p:ph idx="1"/>
           </p:nvPr>
-        </p:nvPicPr>
-        <p:blipFill>
-          <a:blip r:embed="rId2" cstate="print"/>
-          <a:srcRect/>
-          <a:stretch>
-            <a:fillRect/>
-          </a:stretch>
-        </p:blipFill>
-        <p:spPr bwMode="auto">
-          <a:xfrm>
-            <a:off x="990600" y="990600"/>
-            <a:ext cx="7086600" cy="5181600"/>
-          </a:xfrm>
-          <a:prstGeom prst="rect">
-            <a:avLst/>
-          </a:prstGeom>
-          <a:noFill/>
-          <a:ln w="9525">
-            <a:noFill/>
-            <a:miter lim="800000"/>
-            <a:headEnd/>
-            <a:tailEnd/>
-          </a:ln>
-        </p:spPr>
-      </p:pic>
+        </p:nvSpPr>
+        <p:spPr/>
+        <p:txBody>
+          <a:bodyPr>
+            <a:normAutofit lnSpcReduction="10000"/>
+          </a:bodyPr>
+          <a:lstStyle/>
+          <a:p>
+            <a:r>
+              <a:rPr lang="en-US" dirty="0"/>
+              <a:t>Virtualization offers major savings in data center operations. </a:t>
+            </a:r>
+          </a:p>
+          <a:p>
+            <a:r>
+              <a:rPr lang="en-US" dirty="0"/>
+              <a:t>Virtualization makes possible significant reductions in the costs of managing data centers, with simplification of systems management tasks. </a:t>
+            </a:r>
+          </a:p>
+          <a:p>
+            <a:r>
+              <a:rPr lang="en-US" dirty="0"/>
+              <a:t>Virtualization offers back-up and increased redundancy for delivery of high performance and high availability services. </a:t>
+            </a:r>
+          </a:p>
+          <a:p>
+            <a:r>
+              <a:rPr lang="en-US" dirty="0"/>
+              <a:t>Virtualization is a step in the direction of “cloud computing”. </a:t>
+            </a:r>
+          </a:p>
+          <a:p>
+            <a:r>
+              <a:rPr lang="en-US" dirty="0"/>
+              <a:t>Centralized management </a:t>
+            </a:r>
+          </a:p>
+        </p:txBody>
+      </p:sp>
     </p:spTree>
   </p:cSld>
   <p:clrMapOvr>
@@ -4076,101 +4125,7 @@
           <a:bodyPr/>
           <a:lstStyle/>
           <a:p>
-            <a:r>
-              <a:rPr lang="en-US" b="1" dirty="0"/>
-              <a:t>Virtualization Benefits</a:t>
-            </a:r>
-          </a:p>
-        </p:txBody>
-      </p:sp>
-      <p:sp>
-        <p:nvSpPr>
-          <p:cNvPr id="3" name="Content Placeholder 2"/>
-          <p:cNvSpPr>
-            <a:spLocks noGrp="1"/>
-          </p:cNvSpPr>
-          <p:nvPr>
-            <p:ph idx="1"/>
-          </p:nvPr>
-        </p:nvSpPr>
-        <p:spPr/>
-        <p:txBody>
-          <a:bodyPr>
-            <a:normAutofit lnSpcReduction="10000"/>
-          </a:bodyPr>
-          <a:lstStyle/>
-          <a:p>
-            <a:r>
-              <a:rPr lang="en-US" dirty="0"/>
-              <a:t>Virtualization offers major savings in data center operations. </a:t>
-            </a:r>
-          </a:p>
-          <a:p>
-            <a:r>
-              <a:rPr lang="en-US" dirty="0"/>
-              <a:t>Virtualization makes possible significant reductions in the costs of managing data centers, with simplification of systems management tasks. </a:t>
-            </a:r>
-          </a:p>
-          <a:p>
-            <a:r>
-              <a:rPr lang="en-US" dirty="0"/>
-              <a:t>Virtualization offers back-up and increased redundancy for delivery of high performance and high availability services. </a:t>
-            </a:r>
-          </a:p>
-          <a:p>
-            <a:r>
-              <a:rPr lang="en-US" dirty="0"/>
-              <a:t>Virtualization is a step in the direction of “cloud computing”. </a:t>
-            </a:r>
-          </a:p>
-          <a:p>
-            <a:r>
-              <a:rPr lang="en-US" dirty="0"/>
-              <a:t>Centralized management </a:t>
-            </a:r>
-          </a:p>
-        </p:txBody>
-      </p:sp>
-    </p:spTree>
-  </p:cSld>
-  <p:clrMapOvr>
-    <a:masterClrMapping/>
-  </p:clrMapOvr>
-</p:sld>
-</file>
-
-<file path=ppt/slides/slide13.xml><?xml version="1.0" encoding="utf-8"?>
-<p:sld xmlns:a="http://schemas.openxmlformats.org/drawingml/2006/main" xmlns:r="http://schemas.openxmlformats.org/officeDocument/2006/relationships" xmlns:p="http://schemas.openxmlformats.org/presentationml/2006/main">
-  <p:cSld>
-    <p:spTree>
-      <p:nvGrpSpPr>
-        <p:cNvPr id="1" name=""/>
-        <p:cNvGrpSpPr/>
-        <p:nvPr/>
-      </p:nvGrpSpPr>
-      <p:grpSpPr>
-        <a:xfrm>
-          <a:off x="0" y="0"/>
-          <a:ext cx="0" cy="0"/>
-          <a:chOff x="0" y="0"/>
-          <a:chExt cx="0" cy="0"/>
-        </a:xfrm>
-      </p:grpSpPr>
-      <p:sp>
-        <p:nvSpPr>
-          <p:cNvPr id="2" name="Title 1"/>
-          <p:cNvSpPr>
-            <a:spLocks noGrp="1"/>
-          </p:cNvSpPr>
-          <p:nvPr>
-            <p:ph type="title"/>
-          </p:nvPr>
-        </p:nvSpPr>
-        <p:spPr/>
-        <p:txBody>
-          <a:bodyPr/>
-          <a:lstStyle/>
-          <a:p>
+            <a:pPr algn="ctr"/>
             <a:r>
               <a:rPr lang="en-US" b="1" dirty="0"/>
               <a:t>Vendors</a:t>
@@ -4197,7 +4152,7 @@
         </p:blipFill>
         <p:spPr bwMode="auto">
           <a:xfrm>
-            <a:off x="3352800" y="4572000"/>
+            <a:off x="3962400" y="4800600"/>
             <a:ext cx="3822700" cy="1460500"/>
           </a:xfrm>
           <a:prstGeom prst="rect">
@@ -4229,7 +4184,7 @@
         </p:blipFill>
         <p:spPr bwMode="auto">
           <a:xfrm>
-            <a:off x="5562600" y="2438400"/>
+            <a:off x="5545495" y="2438400"/>
             <a:ext cx="2624137" cy="1385721"/>
           </a:xfrm>
           <a:prstGeom prst="rect">
@@ -4261,8 +4216,8 @@
         </p:blipFill>
         <p:spPr bwMode="auto">
           <a:xfrm>
-            <a:off x="1371600" y="2438400"/>
-            <a:ext cx="2933700" cy="1452562"/>
+            <a:off x="664807" y="2438400"/>
+            <a:ext cx="2933700" cy="2671762"/>
           </a:xfrm>
           <a:prstGeom prst="rect">
             <a:avLst/>
@@ -4353,7 +4308,7 @@
             <a:pPr lvl="1"/>
             <a:r>
               <a:rPr lang="en-US" dirty="0"/>
-              <a:t>Example: Run both Windows and Linux on the same machine</a:t>
+              <a:t>Example: Running both Windows and Linux on the same machine</a:t>
             </a:r>
           </a:p>
         </p:txBody>
@@ -4395,12 +4350,14 @@
         </p:nvSpPr>
         <p:spPr>
           <a:xfrm>
-            <a:off x="304800" y="1694603"/>
-            <a:ext cx="8229600" cy="1143000"/>
+            <a:off x="304800" y="2209799"/>
+            <a:ext cx="8229600" cy="627803"/>
           </a:xfrm>
         </p:spPr>
         <p:txBody>
-          <a:bodyPr/>
+          <a:bodyPr>
+            <a:normAutofit fontScale="90000"/>
+          </a:bodyPr>
           <a:lstStyle/>
           <a:p>
             <a:r>
@@ -4681,6 +4638,81 @@
           <a:chExt cx="0" cy="0"/>
         </a:xfrm>
       </p:grpSpPr>
+      <p:sp>
+        <p:nvSpPr>
+          <p:cNvPr id="2" name="Title 1"/>
+          <p:cNvSpPr>
+            <a:spLocks noGrp="1"/>
+          </p:cNvSpPr>
+          <p:nvPr>
+            <p:ph type="title"/>
+          </p:nvPr>
+        </p:nvSpPr>
+        <p:spPr/>
+        <p:txBody>
+          <a:bodyPr/>
+          <a:lstStyle/>
+          <a:p>
+            <a:pPr algn="ctr"/>
+            <a:r>
+              <a:rPr lang="en-US" b="1" dirty="0"/>
+              <a:t>What IS Hypervisor?</a:t>
+            </a:r>
+          </a:p>
+        </p:txBody>
+      </p:sp>
+      <p:sp>
+        <p:nvSpPr>
+          <p:cNvPr id="3" name="Content Placeholder 2"/>
+          <p:cNvSpPr>
+            <a:spLocks noGrp="1"/>
+          </p:cNvSpPr>
+          <p:nvPr>
+            <p:ph idx="1"/>
+          </p:nvPr>
+        </p:nvSpPr>
+        <p:spPr>
+          <a:xfrm>
+            <a:off x="441649" y="2819400"/>
+            <a:ext cx="8229600" cy="2331720"/>
+          </a:xfrm>
+        </p:spPr>
+        <p:txBody>
+          <a:bodyPr/>
+          <a:lstStyle/>
+          <a:p>
+            <a:r>
+              <a:rPr lang="en-US" dirty="0"/>
+              <a:t>Hypervisor is a software layer that sits between Hardware and OS  which will interact with hardware and resources and provide  an interface to share the available resources to virtual containers.</a:t>
+            </a:r>
+          </a:p>
+        </p:txBody>
+      </p:sp>
+    </p:spTree>
+  </p:cSld>
+  <p:clrMapOvr>
+    <a:masterClrMapping/>
+  </p:clrMapOvr>
+</p:sld>
+</file>
+
+<file path=ppt/slides/slide6.xml><?xml version="1.0" encoding="utf-8"?>
+<p:sld xmlns:a="http://schemas.openxmlformats.org/drawingml/2006/main" xmlns:r="http://schemas.openxmlformats.org/officeDocument/2006/relationships" xmlns:p="http://schemas.openxmlformats.org/presentationml/2006/main">
+  <p:cSld>
+    <p:spTree>
+      <p:nvGrpSpPr>
+        <p:cNvPr id="1" name=""/>
+        <p:cNvGrpSpPr/>
+        <p:nvPr/>
+      </p:nvGrpSpPr>
+      <p:grpSpPr>
+        <a:xfrm>
+          <a:off x="0" y="0"/>
+          <a:ext cx="0" cy="0"/>
+          <a:chOff x="0" y="0"/>
+          <a:chExt cx="0" cy="0"/>
+        </a:xfrm>
+      </p:grpSpPr>
       <p:pic>
         <p:nvPicPr>
           <p:cNvPr id="3074" name="Picture 2"/>
@@ -4755,7 +4787,7 @@
 </p:sld>
 </file>
 
-<file path=ppt/slides/slide6.xml><?xml version="1.0" encoding="utf-8"?>
+<file path=ppt/slides/slide7.xml><?xml version="1.0" encoding="utf-8"?>
 <p:sld xmlns:a="http://schemas.openxmlformats.org/drawingml/2006/main" xmlns:r="http://schemas.openxmlformats.org/officeDocument/2006/relationships" xmlns:p="http://schemas.openxmlformats.org/presentationml/2006/main">
   <p:cSld>
     <p:spTree>
@@ -4895,94 +4927,6 @@
           <a:p>
             <a:pPr algn="ctr"/>
             <a:endParaRPr lang="en-US"/>
-          </a:p>
-        </p:txBody>
-      </p:sp>
-    </p:spTree>
-  </p:cSld>
-  <p:clrMapOvr>
-    <a:masterClrMapping/>
-  </p:clrMapOvr>
-</p:sld>
-</file>
-
-<file path=ppt/slides/slide7.xml><?xml version="1.0" encoding="utf-8"?>
-<p:sld xmlns:a="http://schemas.openxmlformats.org/drawingml/2006/main" xmlns:r="http://schemas.openxmlformats.org/officeDocument/2006/relationships" xmlns:p="http://schemas.openxmlformats.org/presentationml/2006/main">
-  <p:cSld>
-    <p:spTree>
-      <p:nvGrpSpPr>
-        <p:cNvPr id="1" name=""/>
-        <p:cNvGrpSpPr/>
-        <p:nvPr/>
-      </p:nvGrpSpPr>
-      <p:grpSpPr>
-        <a:xfrm>
-          <a:off x="0" y="0"/>
-          <a:ext cx="0" cy="0"/>
-          <a:chOff x="0" y="0"/>
-          <a:chExt cx="0" cy="0"/>
-        </a:xfrm>
-      </p:grpSpPr>
-      <p:sp>
-        <p:nvSpPr>
-          <p:cNvPr id="2" name="Title 1"/>
-          <p:cNvSpPr>
-            <a:spLocks noGrp="1"/>
-          </p:cNvSpPr>
-          <p:nvPr>
-            <p:ph type="title"/>
-          </p:nvPr>
-        </p:nvSpPr>
-        <p:spPr/>
-        <p:txBody>
-          <a:bodyPr>
-            <a:normAutofit/>
-          </a:bodyPr>
-          <a:lstStyle/>
-          <a:p>
-            <a:pPr algn="ctr"/>
-            <a:r>
-              <a:rPr lang="en-US" sz="3600" b="1" dirty="0"/>
-              <a:t>HOW IT IS DIFFERENT FROM DUAL BOOT?</a:t>
-            </a:r>
-          </a:p>
-        </p:txBody>
-      </p:sp>
-      <p:sp>
-        <p:nvSpPr>
-          <p:cNvPr id="3" name="Content Placeholder 2"/>
-          <p:cNvSpPr>
-            <a:spLocks noGrp="1"/>
-          </p:cNvSpPr>
-          <p:nvPr>
-            <p:ph idx="1"/>
-          </p:nvPr>
-        </p:nvSpPr>
-        <p:spPr/>
-        <p:txBody>
-          <a:bodyPr/>
-          <a:lstStyle/>
-          <a:p>
-            <a:pPr>
-              <a:buNone/>
-            </a:pPr>
-            <a:endParaRPr lang="en-US" dirty="0"/>
-          </a:p>
-          <a:p>
-            <a:r>
-              <a:rPr lang="en-US" sz="3600" b="1" dirty="0"/>
-              <a:t>Dual boot </a:t>
-            </a:r>
-            <a:r>
-              <a:rPr lang="en-US" sz="3600" dirty="0"/>
-              <a:t>is having 2 OS installed on same computing and choosing which to turn on at boot time</a:t>
-            </a:r>
-          </a:p>
-          <a:p>
-            <a:r>
-              <a:rPr lang="en-US" sz="3600" dirty="0"/>
-              <a:t>With Virtualization, both OSes run simultaneously</a:t>
-            </a:r>
           </a:p>
         </p:txBody>
       </p:sp>
@@ -5080,13 +5024,19 @@
             <p:ph type="title"/>
           </p:nvPr>
         </p:nvSpPr>
-        <p:spPr/>
+        <p:spPr>
+          <a:xfrm>
+            <a:off x="468086" y="1143000"/>
+            <a:ext cx="8229600" cy="475488"/>
+          </a:xfrm>
+        </p:spPr>
         <p:txBody>
           <a:bodyPr>
-            <a:normAutofit/>
+            <a:normAutofit fontScale="90000"/>
           </a:bodyPr>
           <a:lstStyle/>
           <a:p>
+            <a:pPr algn="ctr"/>
             <a:r>
               <a:rPr lang="en-US" sz="4000" b="1" dirty="0"/>
               <a:t>Virtualization and Cloud Computing</a:t>
